--- a/docs/functions_and_arguments.pptx
+++ b/docs/functions_and_arguments.pptx
@@ -6,6 +6,7 @@
   </p:sldMasterIdLst>
   <p:sldIdLst>
     <p:sldId id="256" r:id="rId2"/>
+    <p:sldId id="257" r:id="rId3"/>
   </p:sldIdLst>
   <p:sldSz cx="12192000" cy="6858000"/>
   <p:notesSz cx="6858000" cy="9144000"/>
@@ -272,7 +273,7 @@
           <a:p>
             <a:fld id="{A32AF175-EFA6-4831-8A62-20D923136DD7}" type="datetimeFigureOut">
               <a:rPr lang="en-DE" smtClean="0"/>
-              <a:t>17/10/2025</a:t>
+              <a:t>21/10/2025</a:t>
             </a:fld>
             <a:endParaRPr lang="en-DE"/>
           </a:p>
@@ -472,7 +473,7 @@
           <a:p>
             <a:fld id="{A32AF175-EFA6-4831-8A62-20D923136DD7}" type="datetimeFigureOut">
               <a:rPr lang="en-DE" smtClean="0"/>
-              <a:t>17/10/2025</a:t>
+              <a:t>21/10/2025</a:t>
             </a:fld>
             <a:endParaRPr lang="en-DE"/>
           </a:p>
@@ -682,7 +683,7 @@
           <a:p>
             <a:fld id="{A32AF175-EFA6-4831-8A62-20D923136DD7}" type="datetimeFigureOut">
               <a:rPr lang="en-DE" smtClean="0"/>
-              <a:t>17/10/2025</a:t>
+              <a:t>21/10/2025</a:t>
             </a:fld>
             <a:endParaRPr lang="en-DE"/>
           </a:p>
@@ -882,7 +883,7 @@
           <a:p>
             <a:fld id="{A32AF175-EFA6-4831-8A62-20D923136DD7}" type="datetimeFigureOut">
               <a:rPr lang="en-DE" smtClean="0"/>
-              <a:t>17/10/2025</a:t>
+              <a:t>21/10/2025</a:t>
             </a:fld>
             <a:endParaRPr lang="en-DE"/>
           </a:p>
@@ -1158,7 +1159,7 @@
           <a:p>
             <a:fld id="{A32AF175-EFA6-4831-8A62-20D923136DD7}" type="datetimeFigureOut">
               <a:rPr lang="en-DE" smtClean="0"/>
-              <a:t>17/10/2025</a:t>
+              <a:t>21/10/2025</a:t>
             </a:fld>
             <a:endParaRPr lang="en-DE"/>
           </a:p>
@@ -1426,7 +1427,7 @@
           <a:p>
             <a:fld id="{A32AF175-EFA6-4831-8A62-20D923136DD7}" type="datetimeFigureOut">
               <a:rPr lang="en-DE" smtClean="0"/>
-              <a:t>17/10/2025</a:t>
+              <a:t>21/10/2025</a:t>
             </a:fld>
             <a:endParaRPr lang="en-DE"/>
           </a:p>
@@ -1841,7 +1842,7 @@
           <a:p>
             <a:fld id="{A32AF175-EFA6-4831-8A62-20D923136DD7}" type="datetimeFigureOut">
               <a:rPr lang="en-DE" smtClean="0"/>
-              <a:t>17/10/2025</a:t>
+              <a:t>21/10/2025</a:t>
             </a:fld>
             <a:endParaRPr lang="en-DE"/>
           </a:p>
@@ -1983,7 +1984,7 @@
           <a:p>
             <a:fld id="{A32AF175-EFA6-4831-8A62-20D923136DD7}" type="datetimeFigureOut">
               <a:rPr lang="en-DE" smtClean="0"/>
-              <a:t>17/10/2025</a:t>
+              <a:t>21/10/2025</a:t>
             </a:fld>
             <a:endParaRPr lang="en-DE"/>
           </a:p>
@@ -2096,7 +2097,7 @@
           <a:p>
             <a:fld id="{A32AF175-EFA6-4831-8A62-20D923136DD7}" type="datetimeFigureOut">
               <a:rPr lang="en-DE" smtClean="0"/>
-              <a:t>17/10/2025</a:t>
+              <a:t>21/10/2025</a:t>
             </a:fld>
             <a:endParaRPr lang="en-DE"/>
           </a:p>
@@ -2409,7 +2410,7 @@
           <a:p>
             <a:fld id="{A32AF175-EFA6-4831-8A62-20D923136DD7}" type="datetimeFigureOut">
               <a:rPr lang="en-DE" smtClean="0"/>
-              <a:t>17/10/2025</a:t>
+              <a:t>21/10/2025</a:t>
             </a:fld>
             <a:endParaRPr lang="en-DE"/>
           </a:p>
@@ -2698,7 +2699,7 @@
           <a:p>
             <a:fld id="{A32AF175-EFA6-4831-8A62-20D923136DD7}" type="datetimeFigureOut">
               <a:rPr lang="en-DE" smtClean="0"/>
-              <a:t>17/10/2025</a:t>
+              <a:t>21/10/2025</a:t>
             </a:fld>
             <a:endParaRPr lang="en-DE"/>
           </a:p>
@@ -2941,7 +2942,7 @@
           <a:p>
             <a:fld id="{A32AF175-EFA6-4831-8A62-20D923136DD7}" type="datetimeFigureOut">
               <a:rPr lang="en-DE" smtClean="0"/>
-              <a:t>17/10/2025</a:t>
+              <a:t>21/10/2025</a:t>
             </a:fld>
             <a:endParaRPr lang="en-DE"/>
           </a:p>
@@ -3434,6 +3435,36 @@
 </p:sld>
 </file>
 
+<file path=ppt/slides/slide2.xml><?xml version="1.0" encoding="utf-8"?>
+<p:sld xmlns:a="http://schemas.openxmlformats.org/drawingml/2006/main" xmlns:r="http://schemas.openxmlformats.org/officeDocument/2006/relationships" xmlns:p="http://schemas.openxmlformats.org/presentationml/2006/main">
+  <p:cSld>
+    <p:spTree>
+      <p:nvGrpSpPr>
+        <p:cNvPr id="1" name=""/>
+        <p:cNvGrpSpPr/>
+        <p:nvPr/>
+      </p:nvGrpSpPr>
+      <p:grpSpPr>
+        <a:xfrm>
+          <a:off x="0" y="0"/>
+          <a:ext cx="0" cy="0"/>
+          <a:chOff x="0" y="0"/>
+          <a:chExt cx="0" cy="0"/>
+        </a:xfrm>
+      </p:grpSpPr>
+    </p:spTree>
+    <p:extLst>
+      <p:ext uri="{BB962C8B-B14F-4D97-AF65-F5344CB8AC3E}">
+        <p14:creationId xmlns:p14="http://schemas.microsoft.com/office/powerpoint/2010/main" val="985660836"/>
+      </p:ext>
+    </p:extLst>
+  </p:cSld>
+  <p:clrMapOvr>
+    <a:masterClrMapping/>
+  </p:clrMapOvr>
+</p:sld>
+</file>
+
 <file path=ppt/theme/theme1.xml><?xml version="1.0" encoding="utf-8"?>
 <a:theme xmlns:a="http://schemas.openxmlformats.org/drawingml/2006/main" name="Office Theme">
   <a:themeElements>

--- a/docs/functions_and_arguments.pptx
+++ b/docs/functions_and_arguments.pptx
@@ -3452,6 +3452,69 @@
           <a:chExt cx="0" cy="0"/>
         </a:xfrm>
       </p:grpSpPr>
+      <p:graphicFrame>
+        <p:nvGraphicFramePr>
+          <p:cNvPr id="6" name="Object 5">
+            <a:extLst>
+              <a:ext uri="{FF2B5EF4-FFF2-40B4-BE49-F238E27FC236}">
+                <a16:creationId xmlns:a16="http://schemas.microsoft.com/office/drawing/2014/main" id="{54A6A73E-8738-5AEA-4B21-DA87E3331152}"/>
+              </a:ext>
+            </a:extLst>
+          </p:cNvPr>
+          <p:cNvGraphicFramePr>
+            <a:graphicFrameLocks noChangeAspect="1"/>
+          </p:cNvGraphicFramePr>
+          <p:nvPr>
+            <p:extLst>
+              <p:ext uri="{D42A27DB-BD31-4B8C-83A1-F6EECF244321}">
+                <p14:modId xmlns:p14="http://schemas.microsoft.com/office/powerpoint/2010/main" val="4039297322"/>
+              </p:ext>
+            </p:extLst>
+          </p:nvPr>
+        </p:nvGraphicFramePr>
+        <p:xfrm>
+          <a:off x="199534" y="155988"/>
+          <a:ext cx="11792931" cy="6546023"/>
+        </p:xfrm>
+        <a:graphic>
+          <a:graphicData uri="http://schemas.openxmlformats.org/presentationml/2006/ole">
+            <mc:AlternateContent xmlns:mc="http://schemas.openxmlformats.org/markup-compatibility/2006">
+              <mc:Choice xmlns:v="urn:schemas-microsoft-com:vml" Requires="v">
+                <p:oleObj name="Worksheet" r:id="rId2" imgW="8905749" imgH="4943344" progId="Excel.Sheet.12">
+                  <p:embed/>
+                </p:oleObj>
+              </mc:Choice>
+              <mc:Fallback>
+                <p:oleObj name="Worksheet" r:id="rId2" imgW="8905749" imgH="4943344" progId="Excel.Sheet.12">
+                  <p:embed/>
+                  <p:pic>
+                    <p:nvPicPr>
+                      <p:cNvPr id="0" name=""/>
+                      <p:cNvPicPr/>
+                      <p:nvPr/>
+                    </p:nvPicPr>
+                    <p:blipFill>
+                      <a:blip r:embed="rId3"/>
+                      <a:stretch>
+                        <a:fillRect/>
+                      </a:stretch>
+                    </p:blipFill>
+                    <p:spPr>
+                      <a:xfrm>
+                        <a:off x="199534" y="155988"/>
+                        <a:ext cx="11792931" cy="6546023"/>
+                      </a:xfrm>
+                      <a:prstGeom prst="rect">
+                        <a:avLst/>
+                      </a:prstGeom>
+                    </p:spPr>
+                  </p:pic>
+                </p:oleObj>
+              </mc:Fallback>
+            </mc:AlternateContent>
+          </a:graphicData>
+        </a:graphic>
+      </p:graphicFrame>
     </p:spTree>
     <p:extLst>
       <p:ext uri="{BB962C8B-B14F-4D97-AF65-F5344CB8AC3E}">

--- a/docs/functions_and_arguments.pptx
+++ b/docs/functions_and_arguments.pptx
@@ -6,7 +6,7 @@
   </p:sldMasterIdLst>
   <p:sldIdLst>
     <p:sldId id="256" r:id="rId2"/>
-    <p:sldId id="257" r:id="rId3"/>
+    <p:sldId id="258" r:id="rId3"/>
   </p:sldIdLst>
   <p:sldSz cx="12192000" cy="6858000"/>
   <p:notesSz cx="6858000" cy="9144000"/>
@@ -273,7 +273,7 @@
           <a:p>
             <a:fld id="{A32AF175-EFA6-4831-8A62-20D923136DD7}" type="datetimeFigureOut">
               <a:rPr lang="en-DE" smtClean="0"/>
-              <a:t>21/10/2025</a:t>
+              <a:t>22/10/2025</a:t>
             </a:fld>
             <a:endParaRPr lang="en-DE"/>
           </a:p>
@@ -473,7 +473,7 @@
           <a:p>
             <a:fld id="{A32AF175-EFA6-4831-8A62-20D923136DD7}" type="datetimeFigureOut">
               <a:rPr lang="en-DE" smtClean="0"/>
-              <a:t>21/10/2025</a:t>
+              <a:t>22/10/2025</a:t>
             </a:fld>
             <a:endParaRPr lang="en-DE"/>
           </a:p>
@@ -683,7 +683,7 @@
           <a:p>
             <a:fld id="{A32AF175-EFA6-4831-8A62-20D923136DD7}" type="datetimeFigureOut">
               <a:rPr lang="en-DE" smtClean="0"/>
-              <a:t>21/10/2025</a:t>
+              <a:t>22/10/2025</a:t>
             </a:fld>
             <a:endParaRPr lang="en-DE"/>
           </a:p>
@@ -883,7 +883,7 @@
           <a:p>
             <a:fld id="{A32AF175-EFA6-4831-8A62-20D923136DD7}" type="datetimeFigureOut">
               <a:rPr lang="en-DE" smtClean="0"/>
-              <a:t>21/10/2025</a:t>
+              <a:t>22/10/2025</a:t>
             </a:fld>
             <a:endParaRPr lang="en-DE"/>
           </a:p>
@@ -1159,7 +1159,7 @@
           <a:p>
             <a:fld id="{A32AF175-EFA6-4831-8A62-20D923136DD7}" type="datetimeFigureOut">
               <a:rPr lang="en-DE" smtClean="0"/>
-              <a:t>21/10/2025</a:t>
+              <a:t>22/10/2025</a:t>
             </a:fld>
             <a:endParaRPr lang="en-DE"/>
           </a:p>
@@ -1427,7 +1427,7 @@
           <a:p>
             <a:fld id="{A32AF175-EFA6-4831-8A62-20D923136DD7}" type="datetimeFigureOut">
               <a:rPr lang="en-DE" smtClean="0"/>
-              <a:t>21/10/2025</a:t>
+              <a:t>22/10/2025</a:t>
             </a:fld>
             <a:endParaRPr lang="en-DE"/>
           </a:p>
@@ -1842,7 +1842,7 @@
           <a:p>
             <a:fld id="{A32AF175-EFA6-4831-8A62-20D923136DD7}" type="datetimeFigureOut">
               <a:rPr lang="en-DE" smtClean="0"/>
-              <a:t>21/10/2025</a:t>
+              <a:t>22/10/2025</a:t>
             </a:fld>
             <a:endParaRPr lang="en-DE"/>
           </a:p>
@@ -1984,7 +1984,7 @@
           <a:p>
             <a:fld id="{A32AF175-EFA6-4831-8A62-20D923136DD7}" type="datetimeFigureOut">
               <a:rPr lang="en-DE" smtClean="0"/>
-              <a:t>21/10/2025</a:t>
+              <a:t>22/10/2025</a:t>
             </a:fld>
             <a:endParaRPr lang="en-DE"/>
           </a:p>
@@ -2097,7 +2097,7 @@
           <a:p>
             <a:fld id="{A32AF175-EFA6-4831-8A62-20D923136DD7}" type="datetimeFigureOut">
               <a:rPr lang="en-DE" smtClean="0"/>
-              <a:t>21/10/2025</a:t>
+              <a:t>22/10/2025</a:t>
             </a:fld>
             <a:endParaRPr lang="en-DE"/>
           </a:p>
@@ -2410,7 +2410,7 @@
           <a:p>
             <a:fld id="{A32AF175-EFA6-4831-8A62-20D923136DD7}" type="datetimeFigureOut">
               <a:rPr lang="en-DE" smtClean="0"/>
-              <a:t>21/10/2025</a:t>
+              <a:t>22/10/2025</a:t>
             </a:fld>
             <a:endParaRPr lang="en-DE"/>
           </a:p>
@@ -2699,7 +2699,7 @@
           <a:p>
             <a:fld id="{A32AF175-EFA6-4831-8A62-20D923136DD7}" type="datetimeFigureOut">
               <a:rPr lang="en-DE" smtClean="0"/>
-              <a:t>21/10/2025</a:t>
+              <a:t>22/10/2025</a:t>
             </a:fld>
             <a:endParaRPr lang="en-DE"/>
           </a:p>
@@ -2942,7 +2942,7 @@
           <a:p>
             <a:fld id="{A32AF175-EFA6-4831-8A62-20D923136DD7}" type="datetimeFigureOut">
               <a:rPr lang="en-DE" smtClean="0"/>
-              <a:t>21/10/2025</a:t>
+              <a:t>22/10/2025</a:t>
             </a:fld>
             <a:endParaRPr lang="en-DE"/>
           </a:p>
@@ -3454,10 +3454,10 @@
       </p:grpSpPr>
       <p:graphicFrame>
         <p:nvGraphicFramePr>
-          <p:cNvPr id="6" name="Object 5">
-            <a:extLst>
-              <a:ext uri="{FF2B5EF4-FFF2-40B4-BE49-F238E27FC236}">
-                <a16:creationId xmlns:a16="http://schemas.microsoft.com/office/drawing/2014/main" id="{54A6A73E-8738-5AEA-4B21-DA87E3331152}"/>
+          <p:cNvPr id="4" name="Object 3">
+            <a:extLst>
+              <a:ext uri="{FF2B5EF4-FFF2-40B4-BE49-F238E27FC236}">
+                <a16:creationId xmlns:a16="http://schemas.microsoft.com/office/drawing/2014/main" id="{9D753066-8A93-49FD-675B-597217B97C32}"/>
               </a:ext>
             </a:extLst>
           </p:cNvPr>
@@ -3467,25 +3467,25 @@
           <p:nvPr>
             <p:extLst>
               <p:ext uri="{D42A27DB-BD31-4B8C-83A1-F6EECF244321}">
-                <p14:modId xmlns:p14="http://schemas.microsoft.com/office/powerpoint/2010/main" val="4039297322"/>
+                <p14:modId xmlns:p14="http://schemas.microsoft.com/office/powerpoint/2010/main" val="3772604713"/>
               </p:ext>
             </p:extLst>
           </p:nvPr>
         </p:nvGraphicFramePr>
         <p:xfrm>
-          <a:off x="199534" y="155988"/>
-          <a:ext cx="11792931" cy="6546023"/>
+          <a:off x="193675" y="90488"/>
+          <a:ext cx="11804650" cy="6626225"/>
         </p:xfrm>
         <a:graphic>
           <a:graphicData uri="http://schemas.openxmlformats.org/presentationml/2006/ole">
             <mc:AlternateContent xmlns:mc="http://schemas.openxmlformats.org/markup-compatibility/2006">
               <mc:Choice xmlns:v="urn:schemas-microsoft-com:vml" Requires="v">
-                <p:oleObj name="Worksheet" r:id="rId2" imgW="8905749" imgH="4943344" progId="Excel.Sheet.12">
+                <p:oleObj name="Worksheet" r:id="rId2" imgW="8905749" imgH="5000581" progId="Excel.Sheet.12">
                   <p:embed/>
                 </p:oleObj>
               </mc:Choice>
               <mc:Fallback>
-                <p:oleObj name="Worksheet" r:id="rId2" imgW="8905749" imgH="4943344" progId="Excel.Sheet.12">
+                <p:oleObj name="Worksheet" r:id="rId2" imgW="8905749" imgH="5000581" progId="Excel.Sheet.12">
                   <p:embed/>
                   <p:pic>
                     <p:nvPicPr>
@@ -3501,8 +3501,8 @@
                     </p:blipFill>
                     <p:spPr>
                       <a:xfrm>
-                        <a:off x="199534" y="155988"/>
-                        <a:ext cx="11792931" cy="6546023"/>
+                        <a:off x="193675" y="90488"/>
+                        <a:ext cx="11804650" cy="6626225"/>
                       </a:xfrm>
                       <a:prstGeom prst="rect">
                         <a:avLst/>
@@ -3518,7 +3518,7 @@
     </p:spTree>
     <p:extLst>
       <p:ext uri="{BB962C8B-B14F-4D97-AF65-F5344CB8AC3E}">
-        <p14:creationId xmlns:p14="http://schemas.microsoft.com/office/powerpoint/2010/main" val="985660836"/>
+        <p14:creationId xmlns:p14="http://schemas.microsoft.com/office/powerpoint/2010/main" val="403339297"/>
       </p:ext>
     </p:extLst>
   </p:cSld>

--- a/docs/functions_and_arguments.pptx
+++ b/docs/functions_and_arguments.pptx
@@ -5,8 +5,7 @@
     <p:sldMasterId id="2147483648" r:id="rId1"/>
   </p:sldMasterIdLst>
   <p:sldIdLst>
-    <p:sldId id="256" r:id="rId2"/>
-    <p:sldId id="258" r:id="rId3"/>
+    <p:sldId id="258" r:id="rId2"/>
   </p:sldIdLst>
   <p:sldSz cx="12192000" cy="6858000"/>
   <p:notesSz cx="6858000" cy="9144000"/>
@@ -273,7 +272,7 @@
           <a:p>
             <a:fld id="{A32AF175-EFA6-4831-8A62-20D923136DD7}" type="datetimeFigureOut">
               <a:rPr lang="en-DE" smtClean="0"/>
-              <a:t>22/10/2025</a:t>
+              <a:t>23/10/2025</a:t>
             </a:fld>
             <a:endParaRPr lang="en-DE"/>
           </a:p>
@@ -473,7 +472,7 @@
           <a:p>
             <a:fld id="{A32AF175-EFA6-4831-8A62-20D923136DD7}" type="datetimeFigureOut">
               <a:rPr lang="en-DE" smtClean="0"/>
-              <a:t>22/10/2025</a:t>
+              <a:t>23/10/2025</a:t>
             </a:fld>
             <a:endParaRPr lang="en-DE"/>
           </a:p>
@@ -683,7 +682,7 @@
           <a:p>
             <a:fld id="{A32AF175-EFA6-4831-8A62-20D923136DD7}" type="datetimeFigureOut">
               <a:rPr lang="en-DE" smtClean="0"/>
-              <a:t>22/10/2025</a:t>
+              <a:t>23/10/2025</a:t>
             </a:fld>
             <a:endParaRPr lang="en-DE"/>
           </a:p>
@@ -883,7 +882,7 @@
           <a:p>
             <a:fld id="{A32AF175-EFA6-4831-8A62-20D923136DD7}" type="datetimeFigureOut">
               <a:rPr lang="en-DE" smtClean="0"/>
-              <a:t>22/10/2025</a:t>
+              <a:t>23/10/2025</a:t>
             </a:fld>
             <a:endParaRPr lang="en-DE"/>
           </a:p>
@@ -1159,7 +1158,7 @@
           <a:p>
             <a:fld id="{A32AF175-EFA6-4831-8A62-20D923136DD7}" type="datetimeFigureOut">
               <a:rPr lang="en-DE" smtClean="0"/>
-              <a:t>22/10/2025</a:t>
+              <a:t>23/10/2025</a:t>
             </a:fld>
             <a:endParaRPr lang="en-DE"/>
           </a:p>
@@ -1427,7 +1426,7 @@
           <a:p>
             <a:fld id="{A32AF175-EFA6-4831-8A62-20D923136DD7}" type="datetimeFigureOut">
               <a:rPr lang="en-DE" smtClean="0"/>
-              <a:t>22/10/2025</a:t>
+              <a:t>23/10/2025</a:t>
             </a:fld>
             <a:endParaRPr lang="en-DE"/>
           </a:p>
@@ -1842,7 +1841,7 @@
           <a:p>
             <a:fld id="{A32AF175-EFA6-4831-8A62-20D923136DD7}" type="datetimeFigureOut">
               <a:rPr lang="en-DE" smtClean="0"/>
-              <a:t>22/10/2025</a:t>
+              <a:t>23/10/2025</a:t>
             </a:fld>
             <a:endParaRPr lang="en-DE"/>
           </a:p>
@@ -1984,7 +1983,7 @@
           <a:p>
             <a:fld id="{A32AF175-EFA6-4831-8A62-20D923136DD7}" type="datetimeFigureOut">
               <a:rPr lang="en-DE" smtClean="0"/>
-              <a:t>22/10/2025</a:t>
+              <a:t>23/10/2025</a:t>
             </a:fld>
             <a:endParaRPr lang="en-DE"/>
           </a:p>
@@ -2097,7 +2096,7 @@
           <a:p>
             <a:fld id="{A32AF175-EFA6-4831-8A62-20D923136DD7}" type="datetimeFigureOut">
               <a:rPr lang="en-DE" smtClean="0"/>
-              <a:t>22/10/2025</a:t>
+              <a:t>23/10/2025</a:t>
             </a:fld>
             <a:endParaRPr lang="en-DE"/>
           </a:p>
@@ -2410,7 +2409,7 @@
           <a:p>
             <a:fld id="{A32AF175-EFA6-4831-8A62-20D923136DD7}" type="datetimeFigureOut">
               <a:rPr lang="en-DE" smtClean="0"/>
-              <a:t>22/10/2025</a:t>
+              <a:t>23/10/2025</a:t>
             </a:fld>
             <a:endParaRPr lang="en-DE"/>
           </a:p>
@@ -2699,7 +2698,7 @@
           <a:p>
             <a:fld id="{A32AF175-EFA6-4831-8A62-20D923136DD7}" type="datetimeFigureOut">
               <a:rPr lang="en-DE" smtClean="0"/>
-              <a:t>22/10/2025</a:t>
+              <a:t>23/10/2025</a:t>
             </a:fld>
             <a:endParaRPr lang="en-DE"/>
           </a:p>
@@ -2942,7 +2941,7 @@
           <a:p>
             <a:fld id="{A32AF175-EFA6-4831-8A62-20D923136DD7}" type="datetimeFigureOut">
               <a:rPr lang="en-DE" smtClean="0"/>
-              <a:t>22/10/2025</a:t>
+              <a:t>23/10/2025</a:t>
             </a:fld>
             <a:endParaRPr lang="en-DE"/>
           </a:p>
@@ -3361,10 +3360,10 @@
       </p:grpSpPr>
       <p:graphicFrame>
         <p:nvGraphicFramePr>
-          <p:cNvPr id="6" name="Object 5">
-            <a:extLst>
-              <a:ext uri="{FF2B5EF4-FFF2-40B4-BE49-F238E27FC236}">
-                <a16:creationId xmlns:a16="http://schemas.microsoft.com/office/drawing/2014/main" id="{5397D7EF-ACCD-ABF7-842E-6204B63029AA}"/>
+          <p:cNvPr id="2" name="Object 1">
+            <a:extLst>
+              <a:ext uri="{FF2B5EF4-FFF2-40B4-BE49-F238E27FC236}">
+                <a16:creationId xmlns:a16="http://schemas.microsoft.com/office/drawing/2014/main" id="{F5471AB9-B58D-78E5-7375-E2FECE1E62B6}"/>
               </a:ext>
             </a:extLst>
           </p:cNvPr>
@@ -3374,25 +3373,25 @@
           <p:nvPr>
             <p:extLst>
               <p:ext uri="{D42A27DB-BD31-4B8C-83A1-F6EECF244321}">
-                <p14:modId xmlns:p14="http://schemas.microsoft.com/office/powerpoint/2010/main" val="3387035534"/>
+                <p14:modId xmlns:p14="http://schemas.microsoft.com/office/powerpoint/2010/main" val="3940719044"/>
               </p:ext>
             </p:extLst>
           </p:nvPr>
         </p:nvGraphicFramePr>
         <p:xfrm>
-          <a:off x="100400" y="357457"/>
-          <a:ext cx="11991199" cy="6143085"/>
+          <a:off x="291830" y="145143"/>
+          <a:ext cx="11608340" cy="6567713"/>
         </p:xfrm>
         <a:graphic>
           <a:graphicData uri="http://schemas.openxmlformats.org/presentationml/2006/ole">
             <mc:AlternateContent xmlns:mc="http://schemas.openxmlformats.org/markup-compatibility/2006">
               <mc:Choice xmlns:v="urn:schemas-microsoft-com:vml" Requires="v">
-                <p:oleObj name="Worksheet" r:id="rId2" imgW="8905749" imgH="4562577" progId="Excel.Sheet.12">
+                <p:oleObj name="Worksheet" r:id="rId2" imgW="8905749" imgH="5038623" progId="Excel.Sheet.12">
                   <p:embed/>
                 </p:oleObj>
               </mc:Choice>
               <mc:Fallback>
-                <p:oleObj name="Worksheet" r:id="rId2" imgW="8905749" imgH="4562577" progId="Excel.Sheet.12">
+                <p:oleObj name="Worksheet" r:id="rId2" imgW="8905749" imgH="5038623" progId="Excel.Sheet.12">
                   <p:embed/>
                   <p:pic>
                     <p:nvPicPr>
@@ -3408,101 +3407,8 @@
                     </p:blipFill>
                     <p:spPr>
                       <a:xfrm>
-                        <a:off x="100400" y="357457"/>
-                        <a:ext cx="11991199" cy="6143085"/>
-                      </a:xfrm>
-                      <a:prstGeom prst="rect">
-                        <a:avLst/>
-                      </a:prstGeom>
-                    </p:spPr>
-                  </p:pic>
-                </p:oleObj>
-              </mc:Fallback>
-            </mc:AlternateContent>
-          </a:graphicData>
-        </a:graphic>
-      </p:graphicFrame>
-    </p:spTree>
-    <p:extLst>
-      <p:ext uri="{BB962C8B-B14F-4D97-AF65-F5344CB8AC3E}">
-        <p14:creationId xmlns:p14="http://schemas.microsoft.com/office/powerpoint/2010/main" val="2858771693"/>
-      </p:ext>
-    </p:extLst>
-  </p:cSld>
-  <p:clrMapOvr>
-    <a:masterClrMapping/>
-  </p:clrMapOvr>
-</p:sld>
-</file>
-
-<file path=ppt/slides/slide2.xml><?xml version="1.0" encoding="utf-8"?>
-<p:sld xmlns:a="http://schemas.openxmlformats.org/drawingml/2006/main" xmlns:r="http://schemas.openxmlformats.org/officeDocument/2006/relationships" xmlns:p="http://schemas.openxmlformats.org/presentationml/2006/main">
-  <p:cSld>
-    <p:spTree>
-      <p:nvGrpSpPr>
-        <p:cNvPr id="1" name=""/>
-        <p:cNvGrpSpPr/>
-        <p:nvPr/>
-      </p:nvGrpSpPr>
-      <p:grpSpPr>
-        <a:xfrm>
-          <a:off x="0" y="0"/>
-          <a:ext cx="0" cy="0"/>
-          <a:chOff x="0" y="0"/>
-          <a:chExt cx="0" cy="0"/>
-        </a:xfrm>
-      </p:grpSpPr>
-      <p:graphicFrame>
-        <p:nvGraphicFramePr>
-          <p:cNvPr id="4" name="Object 3">
-            <a:extLst>
-              <a:ext uri="{FF2B5EF4-FFF2-40B4-BE49-F238E27FC236}">
-                <a16:creationId xmlns:a16="http://schemas.microsoft.com/office/drawing/2014/main" id="{9D753066-8A93-49FD-675B-597217B97C32}"/>
-              </a:ext>
-            </a:extLst>
-          </p:cNvPr>
-          <p:cNvGraphicFramePr>
-            <a:graphicFrameLocks noChangeAspect="1"/>
-          </p:cNvGraphicFramePr>
-          <p:nvPr>
-            <p:extLst>
-              <p:ext uri="{D42A27DB-BD31-4B8C-83A1-F6EECF244321}">
-                <p14:modId xmlns:p14="http://schemas.microsoft.com/office/powerpoint/2010/main" val="3772604713"/>
-              </p:ext>
-            </p:extLst>
-          </p:nvPr>
-        </p:nvGraphicFramePr>
-        <p:xfrm>
-          <a:off x="193675" y="90488"/>
-          <a:ext cx="11804650" cy="6626225"/>
-        </p:xfrm>
-        <a:graphic>
-          <a:graphicData uri="http://schemas.openxmlformats.org/presentationml/2006/ole">
-            <mc:AlternateContent xmlns:mc="http://schemas.openxmlformats.org/markup-compatibility/2006">
-              <mc:Choice xmlns:v="urn:schemas-microsoft-com:vml" Requires="v">
-                <p:oleObj name="Worksheet" r:id="rId2" imgW="8905749" imgH="5000581" progId="Excel.Sheet.12">
-                  <p:embed/>
-                </p:oleObj>
-              </mc:Choice>
-              <mc:Fallback>
-                <p:oleObj name="Worksheet" r:id="rId2" imgW="8905749" imgH="5000581" progId="Excel.Sheet.12">
-                  <p:embed/>
-                  <p:pic>
-                    <p:nvPicPr>
-                      <p:cNvPr id="0" name=""/>
-                      <p:cNvPicPr/>
-                      <p:nvPr/>
-                    </p:nvPicPr>
-                    <p:blipFill>
-                      <a:blip r:embed="rId3"/>
-                      <a:stretch>
-                        <a:fillRect/>
-                      </a:stretch>
-                    </p:blipFill>
-                    <p:spPr>
-                      <a:xfrm>
-                        <a:off x="193675" y="90488"/>
-                        <a:ext cx="11804650" cy="6626225"/>
+                        <a:off x="291830" y="145143"/>
+                        <a:ext cx="11608340" cy="6567713"/>
                       </a:xfrm>
                       <a:prstGeom prst="rect">
                         <a:avLst/>

--- a/docs/functions_and_arguments.pptx
+++ b/docs/functions_and_arguments.pptx
@@ -5,7 +5,7 @@
     <p:sldMasterId id="2147483648" r:id="rId1"/>
   </p:sldMasterIdLst>
   <p:sldIdLst>
-    <p:sldId id="258" r:id="rId2"/>
+    <p:sldId id="259" r:id="rId2"/>
   </p:sldIdLst>
   <p:sldSz cx="12192000" cy="6858000"/>
   <p:notesSz cx="6858000" cy="9144000"/>
@@ -272,7 +272,7 @@
           <a:p>
             <a:fld id="{A32AF175-EFA6-4831-8A62-20D923136DD7}" type="datetimeFigureOut">
               <a:rPr lang="en-DE" smtClean="0"/>
-              <a:t>23/10/2025</a:t>
+              <a:t>10/12/2025</a:t>
             </a:fld>
             <a:endParaRPr lang="en-DE"/>
           </a:p>
@@ -472,7 +472,7 @@
           <a:p>
             <a:fld id="{A32AF175-EFA6-4831-8A62-20D923136DD7}" type="datetimeFigureOut">
               <a:rPr lang="en-DE" smtClean="0"/>
-              <a:t>23/10/2025</a:t>
+              <a:t>10/12/2025</a:t>
             </a:fld>
             <a:endParaRPr lang="en-DE"/>
           </a:p>
@@ -682,7 +682,7 @@
           <a:p>
             <a:fld id="{A32AF175-EFA6-4831-8A62-20D923136DD7}" type="datetimeFigureOut">
               <a:rPr lang="en-DE" smtClean="0"/>
-              <a:t>23/10/2025</a:t>
+              <a:t>10/12/2025</a:t>
             </a:fld>
             <a:endParaRPr lang="en-DE"/>
           </a:p>
@@ -882,7 +882,7 @@
           <a:p>
             <a:fld id="{A32AF175-EFA6-4831-8A62-20D923136DD7}" type="datetimeFigureOut">
               <a:rPr lang="en-DE" smtClean="0"/>
-              <a:t>23/10/2025</a:t>
+              <a:t>10/12/2025</a:t>
             </a:fld>
             <a:endParaRPr lang="en-DE"/>
           </a:p>
@@ -1158,7 +1158,7 @@
           <a:p>
             <a:fld id="{A32AF175-EFA6-4831-8A62-20D923136DD7}" type="datetimeFigureOut">
               <a:rPr lang="en-DE" smtClean="0"/>
-              <a:t>23/10/2025</a:t>
+              <a:t>10/12/2025</a:t>
             </a:fld>
             <a:endParaRPr lang="en-DE"/>
           </a:p>
@@ -1426,7 +1426,7 @@
           <a:p>
             <a:fld id="{A32AF175-EFA6-4831-8A62-20D923136DD7}" type="datetimeFigureOut">
               <a:rPr lang="en-DE" smtClean="0"/>
-              <a:t>23/10/2025</a:t>
+              <a:t>10/12/2025</a:t>
             </a:fld>
             <a:endParaRPr lang="en-DE"/>
           </a:p>
@@ -1841,7 +1841,7 @@
           <a:p>
             <a:fld id="{A32AF175-EFA6-4831-8A62-20D923136DD7}" type="datetimeFigureOut">
               <a:rPr lang="en-DE" smtClean="0"/>
-              <a:t>23/10/2025</a:t>
+              <a:t>10/12/2025</a:t>
             </a:fld>
             <a:endParaRPr lang="en-DE"/>
           </a:p>
@@ -1983,7 +1983,7 @@
           <a:p>
             <a:fld id="{A32AF175-EFA6-4831-8A62-20D923136DD7}" type="datetimeFigureOut">
               <a:rPr lang="en-DE" smtClean="0"/>
-              <a:t>23/10/2025</a:t>
+              <a:t>10/12/2025</a:t>
             </a:fld>
             <a:endParaRPr lang="en-DE"/>
           </a:p>
@@ -2096,7 +2096,7 @@
           <a:p>
             <a:fld id="{A32AF175-EFA6-4831-8A62-20D923136DD7}" type="datetimeFigureOut">
               <a:rPr lang="en-DE" smtClean="0"/>
-              <a:t>23/10/2025</a:t>
+              <a:t>10/12/2025</a:t>
             </a:fld>
             <a:endParaRPr lang="en-DE"/>
           </a:p>
@@ -2409,7 +2409,7 @@
           <a:p>
             <a:fld id="{A32AF175-EFA6-4831-8A62-20D923136DD7}" type="datetimeFigureOut">
               <a:rPr lang="en-DE" smtClean="0"/>
-              <a:t>23/10/2025</a:t>
+              <a:t>10/12/2025</a:t>
             </a:fld>
             <a:endParaRPr lang="en-DE"/>
           </a:p>
@@ -2698,7 +2698,7 @@
           <a:p>
             <a:fld id="{A32AF175-EFA6-4831-8A62-20D923136DD7}" type="datetimeFigureOut">
               <a:rPr lang="en-DE" smtClean="0"/>
-              <a:t>23/10/2025</a:t>
+              <a:t>10/12/2025</a:t>
             </a:fld>
             <a:endParaRPr lang="en-DE"/>
           </a:p>
@@ -2941,7 +2941,7 @@
           <a:p>
             <a:fld id="{A32AF175-EFA6-4831-8A62-20D923136DD7}" type="datetimeFigureOut">
               <a:rPr lang="en-DE" smtClean="0"/>
-              <a:t>23/10/2025</a:t>
+              <a:t>10/12/2025</a:t>
             </a:fld>
             <a:endParaRPr lang="en-DE"/>
           </a:p>
@@ -3360,10 +3360,10 @@
       </p:grpSpPr>
       <p:graphicFrame>
         <p:nvGraphicFramePr>
-          <p:cNvPr id="2" name="Object 1">
-            <a:extLst>
-              <a:ext uri="{FF2B5EF4-FFF2-40B4-BE49-F238E27FC236}">
-                <a16:creationId xmlns:a16="http://schemas.microsoft.com/office/drawing/2014/main" id="{F5471AB9-B58D-78E5-7375-E2FECE1E62B6}"/>
+          <p:cNvPr id="7" name="Object 6">
+            <a:extLst>
+              <a:ext uri="{FF2B5EF4-FFF2-40B4-BE49-F238E27FC236}">
+                <a16:creationId xmlns:a16="http://schemas.microsoft.com/office/drawing/2014/main" id="{B507D898-6348-F1B6-8921-E042B27B3833}"/>
               </a:ext>
             </a:extLst>
           </p:cNvPr>
@@ -3373,25 +3373,25 @@
           <p:nvPr>
             <p:extLst>
               <p:ext uri="{D42A27DB-BD31-4B8C-83A1-F6EECF244321}">
-                <p14:modId xmlns:p14="http://schemas.microsoft.com/office/powerpoint/2010/main" val="3940719044"/>
+                <p14:modId xmlns:p14="http://schemas.microsoft.com/office/powerpoint/2010/main" val="3619823912"/>
               </p:ext>
             </p:extLst>
           </p:nvPr>
         </p:nvGraphicFramePr>
         <p:xfrm>
-          <a:off x="291830" y="145143"/>
-          <a:ext cx="11608340" cy="6567713"/>
+          <a:off x="120650" y="58738"/>
+          <a:ext cx="11950700" cy="6689725"/>
         </p:xfrm>
         <a:graphic>
           <a:graphicData uri="http://schemas.openxmlformats.org/presentationml/2006/ole">
             <mc:AlternateContent xmlns:mc="http://schemas.openxmlformats.org/markup-compatibility/2006">
               <mc:Choice xmlns:v="urn:schemas-microsoft-com:vml" Requires="v">
-                <p:oleObj name="Worksheet" r:id="rId2" imgW="8905749" imgH="5038623" progId="Excel.Sheet.12">
+                <p:oleObj name="Worksheet" r:id="rId2" imgW="9153432" imgH="5124479" progId="Excel.Sheet.12">
                   <p:embed/>
                 </p:oleObj>
               </mc:Choice>
               <mc:Fallback>
-                <p:oleObj name="Worksheet" r:id="rId2" imgW="8905749" imgH="5038623" progId="Excel.Sheet.12">
+                <p:oleObj name="Worksheet" r:id="rId2" imgW="9153432" imgH="5124479" progId="Excel.Sheet.12">
                   <p:embed/>
                   <p:pic>
                     <p:nvPicPr>
@@ -3407,8 +3407,8 @@
                     </p:blipFill>
                     <p:spPr>
                       <a:xfrm>
-                        <a:off x="291830" y="145143"/>
-                        <a:ext cx="11608340" cy="6567713"/>
+                        <a:off x="120650" y="58738"/>
+                        <a:ext cx="11950700" cy="6689725"/>
                       </a:xfrm>
                       <a:prstGeom prst="rect">
                         <a:avLst/>
@@ -3424,7 +3424,7 @@
     </p:spTree>
     <p:extLst>
       <p:ext uri="{BB962C8B-B14F-4D97-AF65-F5344CB8AC3E}">
-        <p14:creationId xmlns:p14="http://schemas.microsoft.com/office/powerpoint/2010/main" val="403339297"/>
+        <p14:creationId xmlns:p14="http://schemas.microsoft.com/office/powerpoint/2010/main" val="2194223164"/>
       </p:ext>
     </p:extLst>
   </p:cSld>

--- a/docs/functions_and_arguments.pptx
+++ b/docs/functions_and_arguments.pptx
@@ -5,7 +5,7 @@
     <p:sldMasterId id="2147483648" r:id="rId1"/>
   </p:sldMasterIdLst>
   <p:sldIdLst>
-    <p:sldId id="259" r:id="rId2"/>
+    <p:sldId id="260" r:id="rId2"/>
   </p:sldIdLst>
   <p:sldSz cx="12192000" cy="6858000"/>
   <p:notesSz cx="6858000" cy="9144000"/>
@@ -272,7 +272,7 @@
           <a:p>
             <a:fld id="{A32AF175-EFA6-4831-8A62-20D923136DD7}" type="datetimeFigureOut">
               <a:rPr lang="en-DE" smtClean="0"/>
-              <a:t>10/12/2025</a:t>
+              <a:t>05/02/2026</a:t>
             </a:fld>
             <a:endParaRPr lang="en-DE"/>
           </a:p>
@@ -472,7 +472,7 @@
           <a:p>
             <a:fld id="{A32AF175-EFA6-4831-8A62-20D923136DD7}" type="datetimeFigureOut">
               <a:rPr lang="en-DE" smtClean="0"/>
-              <a:t>10/12/2025</a:t>
+              <a:t>05/02/2026</a:t>
             </a:fld>
             <a:endParaRPr lang="en-DE"/>
           </a:p>
@@ -682,7 +682,7 @@
           <a:p>
             <a:fld id="{A32AF175-EFA6-4831-8A62-20D923136DD7}" type="datetimeFigureOut">
               <a:rPr lang="en-DE" smtClean="0"/>
-              <a:t>10/12/2025</a:t>
+              <a:t>05/02/2026</a:t>
             </a:fld>
             <a:endParaRPr lang="en-DE"/>
           </a:p>
@@ -882,7 +882,7 @@
           <a:p>
             <a:fld id="{A32AF175-EFA6-4831-8A62-20D923136DD7}" type="datetimeFigureOut">
               <a:rPr lang="en-DE" smtClean="0"/>
-              <a:t>10/12/2025</a:t>
+              <a:t>05/02/2026</a:t>
             </a:fld>
             <a:endParaRPr lang="en-DE"/>
           </a:p>
@@ -1158,7 +1158,7 @@
           <a:p>
             <a:fld id="{A32AF175-EFA6-4831-8A62-20D923136DD7}" type="datetimeFigureOut">
               <a:rPr lang="en-DE" smtClean="0"/>
-              <a:t>10/12/2025</a:t>
+              <a:t>05/02/2026</a:t>
             </a:fld>
             <a:endParaRPr lang="en-DE"/>
           </a:p>
@@ -1426,7 +1426,7 @@
           <a:p>
             <a:fld id="{A32AF175-EFA6-4831-8A62-20D923136DD7}" type="datetimeFigureOut">
               <a:rPr lang="en-DE" smtClean="0"/>
-              <a:t>10/12/2025</a:t>
+              <a:t>05/02/2026</a:t>
             </a:fld>
             <a:endParaRPr lang="en-DE"/>
           </a:p>
@@ -1841,7 +1841,7 @@
           <a:p>
             <a:fld id="{A32AF175-EFA6-4831-8A62-20D923136DD7}" type="datetimeFigureOut">
               <a:rPr lang="en-DE" smtClean="0"/>
-              <a:t>10/12/2025</a:t>
+              <a:t>05/02/2026</a:t>
             </a:fld>
             <a:endParaRPr lang="en-DE"/>
           </a:p>
@@ -1983,7 +1983,7 @@
           <a:p>
             <a:fld id="{A32AF175-EFA6-4831-8A62-20D923136DD7}" type="datetimeFigureOut">
               <a:rPr lang="en-DE" smtClean="0"/>
-              <a:t>10/12/2025</a:t>
+              <a:t>05/02/2026</a:t>
             </a:fld>
             <a:endParaRPr lang="en-DE"/>
           </a:p>
@@ -2096,7 +2096,7 @@
           <a:p>
             <a:fld id="{A32AF175-EFA6-4831-8A62-20D923136DD7}" type="datetimeFigureOut">
               <a:rPr lang="en-DE" smtClean="0"/>
-              <a:t>10/12/2025</a:t>
+              <a:t>05/02/2026</a:t>
             </a:fld>
             <a:endParaRPr lang="en-DE"/>
           </a:p>
@@ -2409,7 +2409,7 @@
           <a:p>
             <a:fld id="{A32AF175-EFA6-4831-8A62-20D923136DD7}" type="datetimeFigureOut">
               <a:rPr lang="en-DE" smtClean="0"/>
-              <a:t>10/12/2025</a:t>
+              <a:t>05/02/2026</a:t>
             </a:fld>
             <a:endParaRPr lang="en-DE"/>
           </a:p>
@@ -2698,7 +2698,7 @@
           <a:p>
             <a:fld id="{A32AF175-EFA6-4831-8A62-20D923136DD7}" type="datetimeFigureOut">
               <a:rPr lang="en-DE" smtClean="0"/>
-              <a:t>10/12/2025</a:t>
+              <a:t>05/02/2026</a:t>
             </a:fld>
             <a:endParaRPr lang="en-DE"/>
           </a:p>
@@ -2941,7 +2941,7 @@
           <a:p>
             <a:fld id="{A32AF175-EFA6-4831-8A62-20D923136DD7}" type="datetimeFigureOut">
               <a:rPr lang="en-DE" smtClean="0"/>
-              <a:t>10/12/2025</a:t>
+              <a:t>05/02/2026</a:t>
             </a:fld>
             <a:endParaRPr lang="en-DE"/>
           </a:p>
@@ -3360,10 +3360,10 @@
       </p:grpSpPr>
       <p:graphicFrame>
         <p:nvGraphicFramePr>
-          <p:cNvPr id="7" name="Object 6">
-            <a:extLst>
-              <a:ext uri="{FF2B5EF4-FFF2-40B4-BE49-F238E27FC236}">
-                <a16:creationId xmlns:a16="http://schemas.microsoft.com/office/drawing/2014/main" id="{B507D898-6348-F1B6-8921-E042B27B3833}"/>
+          <p:cNvPr id="8" name="Object 7">
+            <a:extLst>
+              <a:ext uri="{FF2B5EF4-FFF2-40B4-BE49-F238E27FC236}">
+                <a16:creationId xmlns:a16="http://schemas.microsoft.com/office/drawing/2014/main" id="{9CDDF04A-1DE2-A3BC-E095-E460F8CD83D5}"/>
               </a:ext>
             </a:extLst>
           </p:cNvPr>
@@ -3373,25 +3373,25 @@
           <p:nvPr>
             <p:extLst>
               <p:ext uri="{D42A27DB-BD31-4B8C-83A1-F6EECF244321}">
-                <p14:modId xmlns:p14="http://schemas.microsoft.com/office/powerpoint/2010/main" val="3619823912"/>
+                <p14:modId xmlns:p14="http://schemas.microsoft.com/office/powerpoint/2010/main" val="4247424562"/>
               </p:ext>
             </p:extLst>
           </p:nvPr>
         </p:nvGraphicFramePr>
         <p:xfrm>
-          <a:off x="120650" y="58738"/>
-          <a:ext cx="11950700" cy="6689725"/>
+          <a:off x="70639" y="336886"/>
+          <a:ext cx="12050722" cy="6184229"/>
         </p:xfrm>
         <a:graphic>
           <a:graphicData uri="http://schemas.openxmlformats.org/presentationml/2006/ole">
             <mc:AlternateContent xmlns:mc="http://schemas.openxmlformats.org/markup-compatibility/2006">
               <mc:Choice xmlns:v="urn:schemas-microsoft-com:vml" Requires="v">
-                <p:oleObj name="Worksheet" r:id="rId2" imgW="9153432" imgH="5124479" progId="Excel.Sheet.12">
+                <p:oleObj name="Worksheet" r:id="rId2" imgW="9874090" imgH="5067164" progId="Excel.Sheet.12">
                   <p:embed/>
                 </p:oleObj>
               </mc:Choice>
               <mc:Fallback>
-                <p:oleObj name="Worksheet" r:id="rId2" imgW="9153432" imgH="5124479" progId="Excel.Sheet.12">
+                <p:oleObj name="Worksheet" r:id="rId2" imgW="9874090" imgH="5067164" progId="Excel.Sheet.12">
                   <p:embed/>
                   <p:pic>
                     <p:nvPicPr>
@@ -3407,8 +3407,8 @@
                     </p:blipFill>
                     <p:spPr>
                       <a:xfrm>
-                        <a:off x="120650" y="58738"/>
-                        <a:ext cx="11950700" cy="6689725"/>
+                        <a:off x="70639" y="336886"/>
+                        <a:ext cx="12050722" cy="6184229"/>
                       </a:xfrm>
                       <a:prstGeom prst="rect">
                         <a:avLst/>
@@ -3424,7 +3424,7 @@
     </p:spTree>
     <p:extLst>
       <p:ext uri="{BB962C8B-B14F-4D97-AF65-F5344CB8AC3E}">
-        <p14:creationId xmlns:p14="http://schemas.microsoft.com/office/powerpoint/2010/main" val="2194223164"/>
+        <p14:creationId xmlns:p14="http://schemas.microsoft.com/office/powerpoint/2010/main" val="309939072"/>
       </p:ext>
     </p:extLst>
   </p:cSld>
